--- a/2025-Q3/Unity3/2025-07-20-Unity3.pptx
+++ b/2025-Q3/Unity3/2025-07-20-Unity3.pptx
@@ -283,7 +283,7 @@
               <a:pPr>
                 <a:defRPr/>
               </a:pPr>
-              <a:t>7/19/2025</a:t>
+              <a:t>7/26/2025</a:t>
             </a:fld>
             <a:endParaRPr lang="en-US"/>
           </a:p>
@@ -1362,7 +1362,7 @@
         <p:spPr/>
         <p:txBody>
           <a:bodyPr>
-            <a:normAutofit/>
+            <a:normAutofit fontScale="40000" lnSpcReduction="20000"/>
           </a:bodyPr>
           <a:lstStyle/>
           <a:p>
@@ -11717,12 +11717,12 @@
                         <a:buNone/>
                       </a:pPr>
                       <a:r>
-                        <a:rPr lang="en-US" sz="1400" kern="100">
+                        <a:rPr lang="en-US" sz="1400" kern="100" dirty="0">
                           <a:effectLst/>
                         </a:rPr>
                         <a:t>Topical, purpose-driven</a:t>
                       </a:r>
-                      <a:endParaRPr lang="en-US" sz="1400" kern="100">
+                      <a:endParaRPr lang="en-US" sz="1400" kern="100" dirty="0">
                         <a:effectLst/>
                         <a:latin typeface="Aptos" panose="020B0004020202020204" pitchFamily="34" charset="0"/>
                         <a:ea typeface="Aptos" panose="020B0004020202020204" pitchFamily="34" charset="0"/>

--- a/2025-Q3/Unity3/2025-07-20-Unity3.pptx
+++ b/2025-Q3/Unity3/2025-07-20-Unity3.pptx
@@ -283,7 +283,7 @@
               <a:pPr>
                 <a:defRPr/>
               </a:pPr>
-              <a:t>7/26/2025</a:t>
+              <a:t>7/28/2025</a:t>
             </a:fld>
             <a:endParaRPr lang="en-US"/>
           </a:p>
@@ -6420,18 +6420,9 @@
                     <a:lumOff val="40000"/>
                   </a:schemeClr>
                 </a:solidFill>
-                <a:hlinkClick r:id="rId4"/>
-              </a:rPr>
-              <a:t>https://tinyurl.com/sa846z8m</a:t>
-            </a:r>
-            <a:endParaRPr lang="en-US" sz="2000" dirty="0">
-              <a:solidFill>
-                <a:schemeClr val="tx2">
-                  <a:lumMod val="60000"/>
-                  <a:lumOff val="40000"/>
-                </a:schemeClr>
-              </a:solidFill>
-            </a:endParaRPr>
+              </a:rPr>
+              <a:t>https://tinyurl.com/UsefulUnity</a:t>
+            </a:r>
           </a:p>
           <a:p>
             <a:endParaRPr lang="en-US" sz="2400" dirty="0">

--- a/2025-Q3/Unity3/2025-07-20-Unity3.pptx
+++ b/2025-Q3/Unity3/2025-07-20-Unity3.pptx
@@ -283,7 +283,7 @@
               <a:pPr>
                 <a:defRPr/>
               </a:pPr>
-              <a:t>7/28/2025</a:t>
+              <a:t>8/9/2025</a:t>
             </a:fld>
             <a:endParaRPr lang="en-US"/>
           </a:p>
@@ -6413,7 +6413,7 @@
           </a:p>
           <a:p>
             <a:r>
-              <a:rPr lang="en-US" sz="2000" dirty="0">
+              <a:rPr lang="en-US" sz="2000">
                 <a:solidFill>
                   <a:schemeClr val="tx2">
                     <a:lumMod val="60000"/>
@@ -6421,8 +6421,16 @@
                   </a:schemeClr>
                 </a:solidFill>
               </a:rPr>
-              <a:t>https://tinyurl.com/UsefulUnity</a:t>
-            </a:r>
+              <a:t>https://tinyurl.com/Call2Unity</a:t>
+            </a:r>
+            <a:endParaRPr lang="en-US" sz="2000" dirty="0">
+              <a:solidFill>
+                <a:schemeClr val="tx2">
+                  <a:lumMod val="60000"/>
+                  <a:lumOff val="40000"/>
+                </a:schemeClr>
+              </a:solidFill>
+            </a:endParaRPr>
           </a:p>
           <a:p>
             <a:endParaRPr lang="en-US" sz="2400" dirty="0">
